--- a/CalendarioAgo2024/Presentaciones/8_1_ACLs.pptx
+++ b/CalendarioAgo2024/Presentaciones/8_1_ACLs.pptx
@@ -223,7 +223,7 @@
           <a:p>
             <a:fld id="{2D445F07-8756-451B-A938-0248325FC7BB}" type="datetimeFigureOut">
               <a:rPr lang="es-MX" smtClean="0"/>
-              <a:t>17/09/2023</a:t>
+              <a:t>29/10/2024</a:t>
             </a:fld>
             <a:endParaRPr lang="es-MX" dirty="0"/>
           </a:p>
@@ -382,7 +382,7 @@
           <a:p>
             <a:fld id="{5993AEC0-242E-4FA7-9D3C-51E1036AC3CB}" type="slidenum">
               <a:rPr lang="es-MX" smtClean="0"/>
-              <a:t>‹Nº›</a:t>
+              <a:t>‹#›</a:t>
             </a:fld>
             <a:endParaRPr lang="es-MX" dirty="0"/>
           </a:p>
@@ -1847,7 +1847,7 @@
           <a:p>
             <a:fld id="{5E75A0DC-66C6-4CEC-A5EB-F8C97CEC3796}" type="datetimeFigureOut">
               <a:rPr lang="es-MX" smtClean="0"/>
-              <a:t>17/09/2023</a:t>
+              <a:t>29/10/2024</a:t>
             </a:fld>
             <a:endParaRPr lang="es-MX" dirty="0"/>
           </a:p>
@@ -1889,7 +1889,7 @@
           <a:p>
             <a:fld id="{C077EE1E-7A06-4E7F-9AFB-189FC69B7B0C}" type="slidenum">
               <a:rPr lang="es-MX" smtClean="0"/>
-              <a:t>‹Nº›</a:t>
+              <a:t>‹#›</a:t>
             </a:fld>
             <a:endParaRPr lang="es-MX" dirty="0"/>
           </a:p>
@@ -2017,7 +2017,7 @@
           <a:p>
             <a:fld id="{5E75A0DC-66C6-4CEC-A5EB-F8C97CEC3796}" type="datetimeFigureOut">
               <a:rPr lang="es-MX" smtClean="0"/>
-              <a:t>17/09/2023</a:t>
+              <a:t>29/10/2024</a:t>
             </a:fld>
             <a:endParaRPr lang="es-MX" dirty="0"/>
           </a:p>
@@ -2059,7 +2059,7 @@
           <a:p>
             <a:fld id="{C077EE1E-7A06-4E7F-9AFB-189FC69B7B0C}" type="slidenum">
               <a:rPr lang="es-MX" smtClean="0"/>
-              <a:t>‹Nº›</a:t>
+              <a:t>‹#›</a:t>
             </a:fld>
             <a:endParaRPr lang="es-MX" dirty="0"/>
           </a:p>
@@ -2197,7 +2197,7 @@
           <a:p>
             <a:fld id="{5E75A0DC-66C6-4CEC-A5EB-F8C97CEC3796}" type="datetimeFigureOut">
               <a:rPr lang="es-MX" smtClean="0"/>
-              <a:t>17/09/2023</a:t>
+              <a:t>29/10/2024</a:t>
             </a:fld>
             <a:endParaRPr lang="es-MX" dirty="0"/>
           </a:p>
@@ -2239,7 +2239,7 @@
           <a:p>
             <a:fld id="{C077EE1E-7A06-4E7F-9AFB-189FC69B7B0C}" type="slidenum">
               <a:rPr lang="es-MX" smtClean="0"/>
-              <a:t>‹Nº›</a:t>
+              <a:t>‹#›</a:t>
             </a:fld>
             <a:endParaRPr lang="es-MX" dirty="0"/>
           </a:p>
@@ -2411,7 +2411,7 @@
         <p:fade/>
       </p:transition>
     </mc:Choice>
-    <mc:Fallback xmlns:c="http://schemas.openxmlformats.org/drawingml/2006/chart" xmlns:c15="http://schemas.microsoft.com/office/drawing/2012/chart" xmlns="">
+    <mc:Fallback xmlns="" xmlns:c15="http://schemas.microsoft.com/office/drawing/2012/chart" xmlns:c="http://schemas.openxmlformats.org/drawingml/2006/chart">
       <p:transition xmlns:p14="http://schemas.microsoft.com/office/powerpoint/2010/main" spd="med">
         <p:fade/>
       </p:transition>
@@ -2529,7 +2529,7 @@
           <a:p>
             <a:fld id="{5E75A0DC-66C6-4CEC-A5EB-F8C97CEC3796}" type="datetimeFigureOut">
               <a:rPr lang="es-MX" smtClean="0"/>
-              <a:t>17/09/2023</a:t>
+              <a:t>29/10/2024</a:t>
             </a:fld>
             <a:endParaRPr lang="es-MX" dirty="0"/>
           </a:p>
@@ -2571,7 +2571,7 @@
           <a:p>
             <a:fld id="{C077EE1E-7A06-4E7F-9AFB-189FC69B7B0C}" type="slidenum">
               <a:rPr lang="es-MX" smtClean="0"/>
-              <a:t>‹Nº›</a:t>
+              <a:t>‹#›</a:t>
             </a:fld>
             <a:endParaRPr lang="es-MX" dirty="0"/>
           </a:p>
@@ -2775,7 +2775,7 @@
           <a:p>
             <a:fld id="{5E75A0DC-66C6-4CEC-A5EB-F8C97CEC3796}" type="datetimeFigureOut">
               <a:rPr lang="es-MX" smtClean="0"/>
-              <a:t>17/09/2023</a:t>
+              <a:t>29/10/2024</a:t>
             </a:fld>
             <a:endParaRPr lang="es-MX" dirty="0"/>
           </a:p>
@@ -2817,7 +2817,7 @@
           <a:p>
             <a:fld id="{C077EE1E-7A06-4E7F-9AFB-189FC69B7B0C}" type="slidenum">
               <a:rPr lang="es-MX" smtClean="0"/>
-              <a:t>‹Nº›</a:t>
+              <a:t>‹#›</a:t>
             </a:fld>
             <a:endParaRPr lang="es-MX" dirty="0"/>
           </a:p>
@@ -3063,7 +3063,7 @@
           <a:p>
             <a:fld id="{5E75A0DC-66C6-4CEC-A5EB-F8C97CEC3796}" type="datetimeFigureOut">
               <a:rPr lang="es-MX" smtClean="0"/>
-              <a:t>17/09/2023</a:t>
+              <a:t>29/10/2024</a:t>
             </a:fld>
             <a:endParaRPr lang="es-MX" dirty="0"/>
           </a:p>
@@ -3105,7 +3105,7 @@
           <a:p>
             <a:fld id="{C077EE1E-7A06-4E7F-9AFB-189FC69B7B0C}" type="slidenum">
               <a:rPr lang="es-MX" smtClean="0"/>
-              <a:t>‹Nº›</a:t>
+              <a:t>‹#›</a:t>
             </a:fld>
             <a:endParaRPr lang="es-MX" dirty="0"/>
           </a:p>
@@ -3485,7 +3485,7 @@
           <a:p>
             <a:fld id="{5E75A0DC-66C6-4CEC-A5EB-F8C97CEC3796}" type="datetimeFigureOut">
               <a:rPr lang="es-MX" smtClean="0"/>
-              <a:t>17/09/2023</a:t>
+              <a:t>29/10/2024</a:t>
             </a:fld>
             <a:endParaRPr lang="es-MX" dirty="0"/>
           </a:p>
@@ -3527,7 +3527,7 @@
           <a:p>
             <a:fld id="{C077EE1E-7A06-4E7F-9AFB-189FC69B7B0C}" type="slidenum">
               <a:rPr lang="es-MX" smtClean="0"/>
-              <a:t>‹Nº›</a:t>
+              <a:t>‹#›</a:t>
             </a:fld>
             <a:endParaRPr lang="es-MX" dirty="0"/>
           </a:p>
@@ -3603,7 +3603,7 @@
           <a:p>
             <a:fld id="{5E75A0DC-66C6-4CEC-A5EB-F8C97CEC3796}" type="datetimeFigureOut">
               <a:rPr lang="es-MX" smtClean="0"/>
-              <a:t>17/09/2023</a:t>
+              <a:t>29/10/2024</a:t>
             </a:fld>
             <a:endParaRPr lang="es-MX" dirty="0"/>
           </a:p>
@@ -3645,7 +3645,7 @@
           <a:p>
             <a:fld id="{C077EE1E-7A06-4E7F-9AFB-189FC69B7B0C}" type="slidenum">
               <a:rPr lang="es-MX" smtClean="0"/>
-              <a:t>‹Nº›</a:t>
+              <a:t>‹#›</a:t>
             </a:fld>
             <a:endParaRPr lang="es-MX" dirty="0"/>
           </a:p>
@@ -3698,7 +3698,7 @@
           <a:p>
             <a:fld id="{5E75A0DC-66C6-4CEC-A5EB-F8C97CEC3796}" type="datetimeFigureOut">
               <a:rPr lang="es-MX" smtClean="0"/>
-              <a:t>17/09/2023</a:t>
+              <a:t>29/10/2024</a:t>
             </a:fld>
             <a:endParaRPr lang="es-MX" dirty="0"/>
           </a:p>
@@ -3740,7 +3740,7 @@
           <a:p>
             <a:fld id="{C077EE1E-7A06-4E7F-9AFB-189FC69B7B0C}" type="slidenum">
               <a:rPr lang="es-MX" smtClean="0"/>
-              <a:t>‹Nº›</a:t>
+              <a:t>‹#›</a:t>
             </a:fld>
             <a:endParaRPr lang="es-MX" dirty="0"/>
           </a:p>
@@ -3975,7 +3975,7 @@
           <a:p>
             <a:fld id="{5E75A0DC-66C6-4CEC-A5EB-F8C97CEC3796}" type="datetimeFigureOut">
               <a:rPr lang="es-MX" smtClean="0"/>
-              <a:t>17/09/2023</a:t>
+              <a:t>29/10/2024</a:t>
             </a:fld>
             <a:endParaRPr lang="es-MX" dirty="0"/>
           </a:p>
@@ -4017,7 +4017,7 @@
           <a:p>
             <a:fld id="{C077EE1E-7A06-4E7F-9AFB-189FC69B7B0C}" type="slidenum">
               <a:rPr lang="es-MX" smtClean="0"/>
-              <a:t>‹Nº›</a:t>
+              <a:t>‹#›</a:t>
             </a:fld>
             <a:endParaRPr lang="es-MX" dirty="0"/>
           </a:p>
@@ -4228,7 +4228,7 @@
           <a:p>
             <a:fld id="{5E75A0DC-66C6-4CEC-A5EB-F8C97CEC3796}" type="datetimeFigureOut">
               <a:rPr lang="es-MX" smtClean="0"/>
-              <a:t>17/09/2023</a:t>
+              <a:t>29/10/2024</a:t>
             </a:fld>
             <a:endParaRPr lang="es-MX" dirty="0"/>
           </a:p>
@@ -4270,7 +4270,7 @@
           <a:p>
             <a:fld id="{C077EE1E-7A06-4E7F-9AFB-189FC69B7B0C}" type="slidenum">
               <a:rPr lang="es-MX" smtClean="0"/>
-              <a:t>‹Nº›</a:t>
+              <a:t>‹#›</a:t>
             </a:fld>
             <a:endParaRPr lang="es-MX" dirty="0"/>
           </a:p>
@@ -4441,7 +4441,7 @@
           <a:p>
             <a:fld id="{5E75A0DC-66C6-4CEC-A5EB-F8C97CEC3796}" type="datetimeFigureOut">
               <a:rPr lang="es-MX" smtClean="0"/>
-              <a:t>17/09/2023</a:t>
+              <a:t>29/10/2024</a:t>
             </a:fld>
             <a:endParaRPr lang="es-MX" dirty="0"/>
           </a:p>
@@ -4519,7 +4519,7 @@
           <a:p>
             <a:fld id="{C077EE1E-7A06-4E7F-9AFB-189FC69B7B0C}" type="slidenum">
               <a:rPr lang="es-MX" smtClean="0"/>
-              <a:t>‹Nº›</a:t>
+              <a:t>‹#›</a:t>
             </a:fld>
             <a:endParaRPr lang="es-MX" dirty="0"/>
           </a:p>
@@ -6497,7 +6497,7 @@
         <p:fade/>
       </p:transition>
     </mc:Choice>
-    <mc:Fallback xmlns="" xmlns:c="http://schemas.openxmlformats.org/drawingml/2006/chart" xmlns:c15="http://schemas.microsoft.com/office/drawing/2012/chart">
+    <mc:Fallback xmlns:c15="http://schemas.microsoft.com/office/drawing/2012/chart" xmlns:c="http://schemas.openxmlformats.org/drawingml/2006/chart" xmlns="">
       <p:transition spd="med">
         <p:fade/>
       </p:transition>
@@ -6669,7 +6669,7 @@
         <p:fade/>
       </p:transition>
     </mc:Choice>
-    <mc:Fallback xmlns="" xmlns:c="http://schemas.openxmlformats.org/drawingml/2006/chart" xmlns:c15="http://schemas.microsoft.com/office/drawing/2012/chart">
+    <mc:Fallback xmlns:c15="http://schemas.microsoft.com/office/drawing/2012/chart" xmlns:c="http://schemas.openxmlformats.org/drawingml/2006/chart" xmlns="">
       <p:transition spd="med">
         <p:fade/>
       </p:transition>
@@ -8025,7 +8025,7 @@
         <p:fade/>
       </p:transition>
     </mc:Choice>
-    <mc:Fallback xmlns="" xmlns:c="http://schemas.openxmlformats.org/drawingml/2006/chart" xmlns:c15="http://schemas.microsoft.com/office/drawing/2012/chart">
+    <mc:Fallback xmlns:c15="http://schemas.microsoft.com/office/drawing/2012/chart" xmlns:c="http://schemas.openxmlformats.org/drawingml/2006/chart" xmlns="">
       <p:transition spd="med">
         <p:fade/>
       </p:transition>
@@ -16857,7 +16857,7 @@
                 </a:solidFill>
                 <a:cs typeface="Times New Roman"/>
               </a:rPr>
-              <a:t>  ignora el significado del bit, por lo tanto esta máscara comodín permite cualquier IP.</a:t>
+              <a:t>  ignora el significado del bit, por lo tanto, esta máscara comodín permite cualquier IP.</a:t>
             </a:r>
           </a:p>
           <a:p>
@@ -16969,19 +16969,19 @@
               <a:t> </a:t>
             </a:r>
             <a:r>
-              <a:rPr spc="-11" dirty="0" err="1">
+              <a:rPr lang="es-MX" spc="-11" dirty="0">
                 <a:cs typeface="Times New Roman"/>
               </a:rPr>
               <a:t>sign</a:t>
             </a:r>
             <a:r>
-              <a:rPr spc="-4" dirty="0" err="1">
+              <a:rPr lang="es-MX" spc="-4" dirty="0">
                 <a:cs typeface="Times New Roman"/>
               </a:rPr>
               <a:t>i</a:t>
             </a:r>
             <a:r>
-              <a:rPr spc="-11" dirty="0" err="1">
+              <a:rPr lang="es-MX" spc="-11" dirty="0">
                 <a:cs typeface="Times New Roman"/>
               </a:rPr>
               <a:t>ficado</a:t>
@@ -16993,19 +16993,19 @@
               <a:t> </a:t>
             </a:r>
             <a:r>
-              <a:rPr spc="-11" dirty="0" err="1">
+              <a:rPr lang="es-MX" spc="-11" dirty="0">
                 <a:cs typeface="Times New Roman"/>
               </a:rPr>
               <a:t>to</a:t>
             </a:r>
             <a:r>
-              <a:rPr spc="-30" dirty="0" err="1">
+              <a:rPr lang="es-MX" spc="-30" dirty="0">
                 <a:cs typeface="Times New Roman"/>
               </a:rPr>
               <a:t>m</a:t>
             </a:r>
             <a:r>
-              <a:rPr spc="-11" dirty="0" err="1">
+              <a:rPr lang="es-MX" spc="-11" dirty="0">
                 <a:cs typeface="Times New Roman"/>
               </a:rPr>
               <a:t>a</a:t>
@@ -17017,19 +17017,19 @@
               <a:t> </a:t>
             </a:r>
             <a:r>
-              <a:rPr spc="-11" dirty="0" err="1">
+              <a:rPr lang="es-MX" spc="-11" dirty="0">
                 <a:cs typeface="Times New Roman"/>
               </a:rPr>
               <a:t>efe</a:t>
             </a:r>
             <a:r>
-              <a:rPr spc="-23" dirty="0" err="1">
+              <a:rPr lang="es-MX" spc="-23" dirty="0">
                 <a:cs typeface="Times New Roman"/>
               </a:rPr>
               <a:t>c</a:t>
             </a:r>
             <a:r>
-              <a:rPr spc="-11" dirty="0" err="1">
+              <a:rPr lang="es-MX" spc="-11" dirty="0">
                 <a:cs typeface="Times New Roman"/>
               </a:rPr>
               <a:t>to</a:t>
@@ -18066,7 +18066,7 @@
         <p:spPr>
           <a:xfrm>
             <a:off x="1657350" y="3486151"/>
-            <a:ext cx="5657850" cy="646331"/>
+            <a:ext cx="5722962" cy="646331"/>
           </a:xfrm>
           <a:prstGeom prst="rect">
             <a:avLst/>
@@ -18290,7 +18290,7 @@
               </a:rPr>
               <a:t>:</a:t>
             </a:r>
-            <a:endParaRPr sz="2100">
+            <a:endParaRPr sz="2100" dirty="0">
               <a:latin typeface="Arial Narrow"/>
               <a:cs typeface="Arial Narrow"/>
             </a:endParaRPr>
